--- a/10조_팀프발표.pptx
+++ b/10조_팀프발표.pptx
@@ -305,7 +305,7 @@
           <a:p>
             <a:fld id="{A04A3B76-285F-48D6-9B4F-9243D39B467F}" type="datetimeFigureOut">
               <a:rPr lang="ko-KR" altLang="en-US" smtClean="0"/>
-              <a:t>2018-12-20</a:t>
+              <a:t>2018-12-21</a:t>
             </a:fld>
             <a:endParaRPr lang="ko-KR" altLang="en-US"/>
           </a:p>
@@ -555,7 +555,7 @@
           <a:p>
             <a:fld id="{A04A3B76-285F-48D6-9B4F-9243D39B467F}" type="datetimeFigureOut">
               <a:rPr lang="ko-KR" altLang="en-US" smtClean="0"/>
-              <a:t>2018-12-20</a:t>
+              <a:t>2018-12-21</a:t>
             </a:fld>
             <a:endParaRPr lang="ko-KR" altLang="en-US"/>
           </a:p>
@@ -763,7 +763,7 @@
           <a:p>
             <a:fld id="{A04A3B76-285F-48D6-9B4F-9243D39B467F}" type="datetimeFigureOut">
               <a:rPr lang="ko-KR" altLang="en-US" smtClean="0"/>
-              <a:t>2018-12-20</a:t>
+              <a:t>2018-12-21</a:t>
             </a:fld>
             <a:endParaRPr lang="ko-KR" altLang="en-US"/>
           </a:p>
@@ -961,7 +961,7 @@
           <a:p>
             <a:fld id="{A04A3B76-285F-48D6-9B4F-9243D39B467F}" type="datetimeFigureOut">
               <a:rPr lang="ko-KR" altLang="en-US" smtClean="0"/>
-              <a:t>2018-12-20</a:t>
+              <a:t>2018-12-21</a:t>
             </a:fld>
             <a:endParaRPr lang="ko-KR" altLang="en-US"/>
           </a:p>
@@ -1236,7 +1236,7 @@
           <a:p>
             <a:fld id="{A04A3B76-285F-48D6-9B4F-9243D39B467F}" type="datetimeFigureOut">
               <a:rPr lang="ko-KR" altLang="en-US" smtClean="0"/>
-              <a:t>2018-12-20</a:t>
+              <a:t>2018-12-21</a:t>
             </a:fld>
             <a:endParaRPr lang="ko-KR" altLang="en-US"/>
           </a:p>
@@ -1501,7 +1501,7 @@
           <a:p>
             <a:fld id="{A04A3B76-285F-48D6-9B4F-9243D39B467F}" type="datetimeFigureOut">
               <a:rPr lang="ko-KR" altLang="en-US" smtClean="0"/>
-              <a:t>2018-12-20</a:t>
+              <a:t>2018-12-21</a:t>
             </a:fld>
             <a:endParaRPr lang="ko-KR" altLang="en-US"/>
           </a:p>
@@ -1913,7 +1913,7 @@
           <a:p>
             <a:fld id="{A04A3B76-285F-48D6-9B4F-9243D39B467F}" type="datetimeFigureOut">
               <a:rPr lang="ko-KR" altLang="en-US" smtClean="0"/>
-              <a:t>2018-12-20</a:t>
+              <a:t>2018-12-21</a:t>
             </a:fld>
             <a:endParaRPr lang="ko-KR" altLang="en-US"/>
           </a:p>
@@ -2054,7 +2054,7 @@
           <a:p>
             <a:fld id="{A04A3B76-285F-48D6-9B4F-9243D39B467F}" type="datetimeFigureOut">
               <a:rPr lang="ko-KR" altLang="en-US" smtClean="0"/>
-              <a:t>2018-12-20</a:t>
+              <a:t>2018-12-21</a:t>
             </a:fld>
             <a:endParaRPr lang="ko-KR" altLang="en-US"/>
           </a:p>
@@ -2167,7 +2167,7 @@
           <a:p>
             <a:fld id="{A04A3B76-285F-48D6-9B4F-9243D39B467F}" type="datetimeFigureOut">
               <a:rPr lang="ko-KR" altLang="en-US" smtClean="0"/>
-              <a:t>2018-12-20</a:t>
+              <a:t>2018-12-21</a:t>
             </a:fld>
             <a:endParaRPr lang="ko-KR" altLang="en-US"/>
           </a:p>
@@ -2478,7 +2478,7 @@
           <a:p>
             <a:fld id="{A04A3B76-285F-48D6-9B4F-9243D39B467F}" type="datetimeFigureOut">
               <a:rPr lang="ko-KR" altLang="en-US" smtClean="0"/>
-              <a:t>2018-12-20</a:t>
+              <a:t>2018-12-21</a:t>
             </a:fld>
             <a:endParaRPr lang="ko-KR" altLang="en-US"/>
           </a:p>
@@ -2766,7 +2766,7 @@
           <a:p>
             <a:fld id="{A04A3B76-285F-48D6-9B4F-9243D39B467F}" type="datetimeFigureOut">
               <a:rPr lang="ko-KR" altLang="en-US" smtClean="0"/>
-              <a:t>2018-12-20</a:t>
+              <a:t>2018-12-21</a:t>
             </a:fld>
             <a:endParaRPr lang="ko-KR" altLang="en-US"/>
           </a:p>
@@ -3010,7 +3010,7 @@
           <a:p>
             <a:fld id="{A04A3B76-285F-48D6-9B4F-9243D39B467F}" type="datetimeFigureOut">
               <a:rPr lang="ko-KR" altLang="en-US" smtClean="0"/>
-              <a:t>2018-12-20</a:t>
+              <a:t>2018-12-21</a:t>
             </a:fld>
             <a:endParaRPr lang="ko-KR" altLang="en-US"/>
           </a:p>
@@ -18605,7 +18605,7 @@
         <p:spPr>
           <a:xfrm>
             <a:off x="6673932" y="3719348"/>
-            <a:ext cx="3443845" cy="1384995"/>
+            <a:ext cx="3443845" cy="954107"/>
           </a:xfrm>
           <a:prstGeom prst="rect">
             <a:avLst/>
@@ -18620,25 +18620,18 @@
           <a:p>
             <a:pPr algn="ctr"/>
             <a:r>
+              <a:rPr lang="ko-KR" altLang="en-US" sz="2800">
+                <a:latin typeface="HY동녘B" panose="02030600000101010101" pitchFamily="18" charset="-127"/>
+                <a:ea typeface="HY동녘B" panose="02030600000101010101" pitchFamily="18" charset="-127"/>
+              </a:rPr>
+              <a:t> 지렁이가 </a:t>
+            </a:r>
+            <a:r>
               <a:rPr lang="ko-KR" altLang="en-US" sz="2800" dirty="0">
                 <a:latin typeface="HY동녘B" panose="02030600000101010101" pitchFamily="18" charset="-127"/>
                 <a:ea typeface="HY동녘B" panose="02030600000101010101" pitchFamily="18" charset="-127"/>
               </a:rPr>
-              <a:t>제한 시간에 맞춰 </a:t>
-            </a:r>
-            <a:endParaRPr lang="en-US" altLang="ko-KR" sz="2800" dirty="0">
-              <a:latin typeface="HY동녘B" panose="02030600000101010101" pitchFamily="18" charset="-127"/>
-              <a:ea typeface="HY동녘B" panose="02030600000101010101" pitchFamily="18" charset="-127"/>
-            </a:endParaRPr>
-          </a:p>
-          <a:p>
-            <a:pPr algn="ctr"/>
-            <a:r>
-              <a:rPr lang="ko-KR" altLang="en-US" sz="2800" dirty="0">
-                <a:latin typeface="HY동녘B" panose="02030600000101010101" pitchFamily="18" charset="-127"/>
-                <a:ea typeface="HY동녘B" panose="02030600000101010101" pitchFamily="18" charset="-127"/>
-              </a:rPr>
-              <a:t>지렁이가 앞으로 </a:t>
+              <a:t>앞으로 </a:t>
             </a:r>
             <a:endParaRPr lang="en-US" altLang="ko-KR" sz="2800" dirty="0">
               <a:latin typeface="HY동녘B" panose="02030600000101010101" pitchFamily="18" charset="-127"/>
